--- a/Semester 7/Spanisch/Canal de Panmá.pptx
+++ b/Semester 7/Spanisch/Canal de Panmá.pptx
@@ -306,7 +306,7 @@
           <a:p>
             <a:fld id="{4AAD347D-5ACD-4C99-B74B-A9C85AD731AF}" type="datetimeFigureOut">
               <a:rPr lang="en-US" dirty="0"/>
-              <a:t>1/12/2024</a:t>
+              <a:t>1/15/2024</a:t>
             </a:fld>
             <a:endParaRPr lang="en-US" dirty="0"/>
           </a:p>
@@ -576,7 +576,7 @@
           <a:p>
             <a:fld id="{4509A250-FF31-4206-8172-F9D3106AACB1}" type="datetimeFigureOut">
               <a:rPr lang="en-US" dirty="0"/>
-              <a:t>1/12/2024</a:t>
+              <a:t>1/15/2024</a:t>
             </a:fld>
             <a:endParaRPr lang="en-US" dirty="0"/>
           </a:p>
@@ -765,7 +765,7 @@
           <a:p>
             <a:fld id="{4509A250-FF31-4206-8172-F9D3106AACB1}" type="datetimeFigureOut">
               <a:rPr lang="en-US" dirty="0"/>
-              <a:t>1/12/2024</a:t>
+              <a:t>1/15/2024</a:t>
             </a:fld>
             <a:endParaRPr lang="en-US" dirty="0"/>
           </a:p>
@@ -1028,7 +1028,7 @@
           <a:p>
             <a:fld id="{4509A250-FF31-4206-8172-F9D3106AACB1}" type="datetimeFigureOut">
               <a:rPr lang="en-US" dirty="0"/>
-              <a:t>1/12/2024</a:t>
+              <a:t>1/15/2024</a:t>
             </a:fld>
             <a:endParaRPr lang="en-US" dirty="0"/>
           </a:p>
@@ -1355,7 +1355,7 @@
           <a:p>
             <a:fld id="{4509A250-FF31-4206-8172-F9D3106AACB1}" type="datetimeFigureOut">
               <a:rPr lang="en-US" dirty="0"/>
-              <a:t>1/12/2024</a:t>
+              <a:t>1/15/2024</a:t>
             </a:fld>
             <a:endParaRPr lang="en-US" dirty="0"/>
           </a:p>
@@ -1960,7 +1960,7 @@
           <a:p>
             <a:fld id="{4509A250-FF31-4206-8172-F9D3106AACB1}" type="datetimeFigureOut">
               <a:rPr lang="en-US" dirty="0"/>
-              <a:t>1/12/2024</a:t>
+              <a:t>1/15/2024</a:t>
             </a:fld>
             <a:endParaRPr lang="en-US" dirty="0"/>
           </a:p>
@@ -2802,7 +2802,7 @@
           <a:p>
             <a:fld id="{4509A250-FF31-4206-8172-F9D3106AACB1}" type="datetimeFigureOut">
               <a:rPr lang="en-US" dirty="0"/>
-              <a:t>1/12/2024</a:t>
+              <a:t>1/15/2024</a:t>
             </a:fld>
             <a:endParaRPr lang="en-US" dirty="0"/>
           </a:p>
@@ -2967,7 +2967,7 @@
           <a:p>
             <a:fld id="{4509A250-FF31-4206-8172-F9D3106AACB1}" type="datetimeFigureOut">
               <a:rPr lang="en-US" dirty="0"/>
-              <a:t>1/12/2024</a:t>
+              <a:t>1/15/2024</a:t>
             </a:fld>
             <a:endParaRPr lang="en-US" dirty="0"/>
           </a:p>
@@ -3142,7 +3142,7 @@
           <a:p>
             <a:fld id="{4509A250-FF31-4206-8172-F9D3106AACB1}" type="datetimeFigureOut">
               <a:rPr lang="en-US" dirty="0"/>
-              <a:t>1/12/2024</a:t>
+              <a:t>1/15/2024</a:t>
             </a:fld>
             <a:endParaRPr lang="en-US" dirty="0"/>
           </a:p>
@@ -3307,7 +3307,7 @@
           <a:p>
             <a:fld id="{4509A250-FF31-4206-8172-F9D3106AACB1}" type="datetimeFigureOut">
               <a:rPr lang="en-US" dirty="0"/>
-              <a:t>1/12/2024</a:t>
+              <a:t>1/15/2024</a:t>
             </a:fld>
             <a:endParaRPr lang="en-US" dirty="0"/>
           </a:p>
@@ -3546,7 +3546,7 @@
           <a:p>
             <a:fld id="{4509A250-FF31-4206-8172-F9D3106AACB1}" type="datetimeFigureOut">
               <a:rPr lang="en-US" dirty="0"/>
-              <a:t>1/12/2024</a:t>
+              <a:t>1/15/2024</a:t>
             </a:fld>
             <a:endParaRPr lang="en-US" dirty="0"/>
           </a:p>
@@ -3833,7 +3833,7 @@
           <a:p>
             <a:fld id="{4509A250-FF31-4206-8172-F9D3106AACB1}" type="datetimeFigureOut">
               <a:rPr lang="en-US" dirty="0"/>
-              <a:t>1/12/2024</a:t>
+              <a:t>1/15/2024</a:t>
             </a:fld>
             <a:endParaRPr lang="en-US" dirty="0"/>
           </a:p>
@@ -4266,7 +4266,7 @@
           <a:p>
             <a:fld id="{4509A250-FF31-4206-8172-F9D3106AACB1}" type="datetimeFigureOut">
               <a:rPr lang="en-US" dirty="0"/>
-              <a:t>1/12/2024</a:t>
+              <a:t>1/15/2024</a:t>
             </a:fld>
             <a:endParaRPr lang="en-US" dirty="0"/>
           </a:p>
@@ -4379,7 +4379,7 @@
           <a:p>
             <a:fld id="{4509A250-FF31-4206-8172-F9D3106AACB1}" type="datetimeFigureOut">
               <a:rPr lang="en-US" dirty="0"/>
-              <a:t>1/12/2024</a:t>
+              <a:t>1/15/2024</a:t>
             </a:fld>
             <a:endParaRPr lang="en-US" dirty="0"/>
           </a:p>
@@ -4469,7 +4469,7 @@
           <a:p>
             <a:fld id="{4509A250-FF31-4206-8172-F9D3106AACB1}" type="datetimeFigureOut">
               <a:rPr lang="en-US" dirty="0"/>
-              <a:t>1/12/2024</a:t>
+              <a:t>1/15/2024</a:t>
             </a:fld>
             <a:endParaRPr lang="en-US" dirty="0"/>
           </a:p>
@@ -4743,7 +4743,7 @@
           <a:p>
             <a:fld id="{4509A250-FF31-4206-8172-F9D3106AACB1}" type="datetimeFigureOut">
               <a:rPr lang="en-US" dirty="0"/>
-              <a:t>1/12/2024</a:t>
+              <a:t>1/15/2024</a:t>
             </a:fld>
             <a:endParaRPr lang="en-US" dirty="0"/>
           </a:p>
@@ -5013,7 +5013,7 @@
           <a:p>
             <a:fld id="{4509A250-FF31-4206-8172-F9D3106AACB1}" type="datetimeFigureOut">
               <a:rPr lang="en-US" dirty="0"/>
-              <a:t>1/12/2024</a:t>
+              <a:t>1/15/2024</a:t>
             </a:fld>
             <a:endParaRPr lang="en-US" dirty="0"/>
           </a:p>
@@ -5437,7 +5437,7 @@
           <a:p>
             <a:fld id="{4509A250-FF31-4206-8172-F9D3106AACB1}" type="datetimeFigureOut">
               <a:rPr lang="en-US" dirty="0"/>
-              <a:t>1/12/2024</a:t>
+              <a:t>1/15/2024</a:t>
             </a:fld>
             <a:endParaRPr lang="en-US" dirty="0"/>
           </a:p>
@@ -5999,13 +5999,8 @@
             </a:r>
             <a:r>
               <a:rPr lang="de-DE" dirty="0"/>
-              <a:t> de </a:t>
-            </a:r>
-            <a:r>
-              <a:rPr lang="de-DE" dirty="0" err="1"/>
-              <a:t>Panmá</a:t>
-            </a:r>
-            <a:endParaRPr lang="de-DE" dirty="0"/>
+              <a:t> de Panamá</a:t>
+            </a:r>
           </a:p>
         </p:txBody>
       </p:sp>
@@ -6130,7 +6125,7 @@
                 <a:latin typeface="Calibri" panose="020F0502020204030204" pitchFamily="34" charset="0"/>
                 <a:cs typeface="Times New Roman" panose="02020603050405020304" pitchFamily="18" charset="0"/>
               </a:rPr>
-              <a:t>Volkswagen: solo 5,7 % PIB de Alemania en 2016</a:t>
+              <a:t>Volkswagen: solo 6 % PIB de Alemania en 2016</a:t>
             </a:r>
           </a:p>
           <a:p>
@@ -6139,7 +6134,96 @@
                 <a:latin typeface="Calibri" panose="020F0502020204030204" pitchFamily="34" charset="0"/>
                 <a:cs typeface="Times New Roman" panose="02020603050405020304" pitchFamily="18" charset="0"/>
               </a:rPr>
-              <a:t>Muy importante parar enviar bienes</a:t>
+              <a:t>Muy importante parar enviar mercancías</a:t>
+            </a:r>
+            <a:endParaRPr lang="de-DE" dirty="0"/>
+          </a:p>
+        </p:txBody>
+      </p:sp>
+      <p:pic>
+        <p:nvPicPr>
+          <p:cNvPr id="1028" name="Picture 4">
+            <a:extLst>
+              <a:ext uri="{FF2B5EF4-FFF2-40B4-BE49-F238E27FC236}">
+                <a16:creationId xmlns:a16="http://schemas.microsoft.com/office/drawing/2014/main" id="{0C45FD2C-0C2B-22F6-F4E9-A035B793EC6D}"/>
+              </a:ext>
+            </a:extLst>
+          </p:cNvPr>
+          <p:cNvPicPr>
+            <a:picLocks noChangeAspect="1" noChangeArrowheads="1"/>
+          </p:cNvPicPr>
+          <p:nvPr/>
+        </p:nvPicPr>
+        <p:blipFill>
+          <a:blip r:embed="rId2">
+            <a:extLst>
+              <a:ext uri="{28A0092B-C50C-407E-A947-70E740481C1C}">
+                <a14:useLocalDpi xmlns:a14="http://schemas.microsoft.com/office/drawing/2010/main" val="0"/>
+              </a:ext>
+            </a:extLst>
+          </a:blip>
+          <a:srcRect/>
+          <a:stretch>
+            <a:fillRect/>
+          </a:stretch>
+        </p:blipFill>
+        <p:spPr bwMode="auto">
+          <a:xfrm>
+            <a:off x="7705127" y="2294964"/>
+            <a:ext cx="4274147" cy="4383741"/>
+          </a:xfrm>
+          <a:prstGeom prst="rect">
+            <a:avLst/>
+          </a:prstGeom>
+          <a:noFill/>
+          <a:effectLst>
+            <a:softEdge rad="25400"/>
+          </a:effectLst>
+          <a:extLst>
+            <a:ext uri="{909E8E84-426E-40DD-AFC4-6F175D3DCCD1}">
+              <a14:hiddenFill xmlns:a14="http://schemas.microsoft.com/office/drawing/2010/main">
+                <a:solidFill>
+                  <a:srgbClr val="FFFFFF"/>
+                </a:solidFill>
+              </a14:hiddenFill>
+            </a:ext>
+          </a:extLst>
+        </p:spPr>
+      </p:pic>
+      <p:sp>
+        <p:nvSpPr>
+          <p:cNvPr id="3" name="Textfeld 2">
+            <a:extLst>
+              <a:ext uri="{FF2B5EF4-FFF2-40B4-BE49-F238E27FC236}">
+                <a16:creationId xmlns:a16="http://schemas.microsoft.com/office/drawing/2014/main" id="{509A9764-3573-21CF-C691-F70F07EBBFA3}"/>
+              </a:ext>
+            </a:extLst>
+          </p:cNvPr>
+          <p:cNvSpPr txBox="1"/>
+          <p:nvPr/>
+        </p:nvSpPr>
+        <p:spPr>
+          <a:xfrm>
+            <a:off x="2142147" y="6131316"/>
+            <a:ext cx="3203388" cy="369332"/>
+          </a:xfrm>
+          <a:prstGeom prst="rect">
+            <a:avLst/>
+          </a:prstGeom>
+          <a:noFill/>
+        </p:spPr>
+        <p:txBody>
+          <a:bodyPr wrap="square" rtlCol="0">
+            <a:spAutoFit/>
+          </a:bodyPr>
+          <a:lstStyle/>
+          <a:p>
+            <a:r>
+              <a:rPr lang="es-ES" sz="1800" dirty="0">
+                <a:latin typeface="Calibri" panose="020F0502020204030204" pitchFamily="34" charset="0"/>
+                <a:cs typeface="Times New Roman" panose="02020603050405020304" pitchFamily="18" charset="0"/>
+              </a:rPr>
+              <a:t>mercancías : Güter/Waren</a:t>
             </a:r>
             <a:endParaRPr lang="de-DE" dirty="0"/>
           </a:p>
@@ -6290,7 +6374,7 @@
             </a:r>
             <a:r>
               <a:rPr lang="de-DE" dirty="0" err="1"/>
-              <a:t>nuevo</a:t>
+              <a:t>nueva</a:t>
             </a:r>
             <a:r>
               <a:rPr lang="de-DE" dirty="0"/>
@@ -6410,15 +6494,7 @@
           <a:p>
             <a:r>
               <a:rPr lang="de-DE" dirty="0" err="1"/>
-              <a:t>Ampliación</a:t>
-            </a:r>
-            <a:r>
-              <a:rPr lang="de-DE" dirty="0"/>
-              <a:t> en 2016 y </a:t>
-            </a:r>
-            <a:r>
-              <a:rPr lang="de-DE" dirty="0" err="1"/>
-              <a:t>futuro</a:t>
+              <a:t>Conclusión</a:t>
             </a:r>
             <a:endParaRPr lang="de-DE" dirty="0"/>
           </a:p>
@@ -6451,8 +6527,19 @@
           <a:lstStyle/>
           <a:p>
             <a:r>
+              <a:rPr lang="de-DE" dirty="0"/>
+              <a:t>Maravilla de la </a:t>
+            </a:r>
+            <a:r>
               <a:rPr lang="de-DE" dirty="0" err="1"/>
-              <a:t>Clase</a:t>
+              <a:t>ingeniería</a:t>
+            </a:r>
+            <a:endParaRPr lang="de-DE" dirty="0"/>
+          </a:p>
+          <a:p>
+            <a:r>
+              <a:rPr lang="de-DE" dirty="0" err="1"/>
+              <a:t>Muy</a:t>
             </a:r>
             <a:r>
               <a:rPr lang="de-DE" dirty="0"/>
@@ -6460,23 +6547,7 @@
             </a:r>
             <a:r>
               <a:rPr lang="de-DE" dirty="0" err="1"/>
-              <a:t>antigua</a:t>
-            </a:r>
-            <a:r>
-              <a:rPr lang="de-DE" dirty="0"/>
-              <a:t>: </a:t>
-            </a:r>
-            <a:r>
-              <a:rPr lang="de-DE" dirty="0" err="1"/>
-              <a:t>Panamax</a:t>
-            </a:r>
-            <a:r>
-              <a:rPr lang="de-DE" dirty="0"/>
-              <a:t> (~4500 TEU: 1 TEU = </a:t>
-            </a:r>
-            <a:r>
-              <a:rPr lang="de-DE" dirty="0" err="1"/>
-              <a:t>contenedor</a:t>
+              <a:t>importante</a:t>
             </a:r>
             <a:r>
               <a:rPr lang="de-DE" dirty="0"/>
@@ -6484,17 +6555,17 @@
             </a:r>
             <a:r>
               <a:rPr lang="de-DE" dirty="0" err="1"/>
-              <a:t>normalizado</a:t>
+              <a:t>para</a:t>
             </a:r>
             <a:r>
               <a:rPr lang="de-DE" dirty="0"/>
-              <a:t>)</a:t>
+              <a:t> Panamá</a:t>
             </a:r>
           </a:p>
           <a:p>
             <a:r>
               <a:rPr lang="de-DE" dirty="0" err="1"/>
-              <a:t>Clase</a:t>
+              <a:t>Posible</a:t>
             </a:r>
             <a:r>
               <a:rPr lang="de-DE" dirty="0"/>
@@ -6502,20 +6573,20 @@
             </a:r>
             <a:r>
               <a:rPr lang="de-DE" dirty="0" err="1"/>
-              <a:t>nuevo</a:t>
+              <a:t>punto</a:t>
             </a:r>
             <a:r>
               <a:rPr lang="de-DE" dirty="0"/>
-              <a:t>: </a:t>
+              <a:t> de </a:t>
             </a:r>
             <a:r>
               <a:rPr lang="de-DE" dirty="0" err="1"/>
-              <a:t>Neopanamax</a:t>
-            </a:r>
-            <a:r>
-              <a:rPr lang="de-DE" dirty="0"/>
-              <a:t> (~12000 TEU)</a:t>
-            </a:r>
+              <a:t>conflicto</a:t>
+            </a:r>
+            <a:endParaRPr lang="de-DE" dirty="0"/>
+          </a:p>
+          <a:p>
+            <a:endParaRPr lang="de-DE" dirty="0"/>
           </a:p>
         </p:txBody>
       </p:sp>
@@ -6541,7 +6612,7 @@
         </p:blipFill>
         <p:spPr>
           <a:xfrm>
-            <a:off x="1193800" y="3140645"/>
+            <a:off x="6243918" y="1853248"/>
             <a:ext cx="5537200" cy="3107754"/>
           </a:xfrm>
           <a:prstGeom prst="rect">
@@ -6661,6 +6732,21 @@
             </a:r>
             <a:r>
               <a:rPr lang="de-DE" dirty="0"/>
+              <a:t> de los </a:t>
+            </a:r>
+            <a:r>
+              <a:rPr lang="de-DE" dirty="0" err="1"/>
+              <a:t>franceses</a:t>
+            </a:r>
+            <a:endParaRPr lang="de-DE" dirty="0"/>
+          </a:p>
+          <a:p>
+            <a:r>
+              <a:rPr lang="de-DE" dirty="0" err="1"/>
+              <a:t>Finalización</a:t>
+            </a:r>
+            <a:r>
+              <a:rPr lang="de-DE" dirty="0"/>
               <a:t> </a:t>
             </a:r>
             <a:r>
@@ -6669,30 +6755,15 @@
             </a:r>
             <a:r>
               <a:rPr lang="de-DE" dirty="0"/>
-              <a:t> los </a:t>
+              <a:t> </a:t>
             </a:r>
             <a:r>
               <a:rPr lang="de-DE" dirty="0" err="1"/>
-              <a:t>franceses</a:t>
-            </a:r>
-            <a:endParaRPr lang="de-DE" dirty="0"/>
-          </a:p>
-          <a:p>
-            <a:r>
-              <a:rPr lang="de-DE" dirty="0" err="1"/>
-              <a:t>Construcción</a:t>
+              <a:t>parte</a:t>
             </a:r>
             <a:r>
               <a:rPr lang="de-DE" dirty="0"/>
-              <a:t> </a:t>
-            </a:r>
-            <a:r>
-              <a:rPr lang="de-DE" dirty="0" err="1"/>
-              <a:t>por</a:t>
-            </a:r>
-            <a:r>
-              <a:rPr lang="de-DE" dirty="0"/>
-              <a:t> los </a:t>
+              <a:t> de los </a:t>
             </a:r>
             <a:r>
               <a:rPr lang="de-DE" dirty="0" err="1"/>
@@ -6821,7 +6892,7 @@
         </p:blipFill>
         <p:spPr>
           <a:xfrm>
-            <a:off x="6724326" y="1253447"/>
+            <a:off x="6753596" y="1253447"/>
             <a:ext cx="5194225" cy="5364661"/>
           </a:xfrm>
           <a:prstGeom prst="rect">
@@ -7049,7 +7120,7 @@
         </p:blipFill>
         <p:spPr>
           <a:xfrm>
-            <a:off x="6795715" y="1253447"/>
+            <a:off x="6743889" y="1253447"/>
             <a:ext cx="5194225" cy="5364661"/>
           </a:xfrm>
           <a:prstGeom prst="rect">
@@ -7106,8 +7177,8 @@
         </p:nvSpPr>
         <p:spPr>
           <a:xfrm>
-            <a:off x="7924800" y="2032000"/>
-            <a:ext cx="609600" cy="621977"/>
+            <a:off x="7900894" y="2032001"/>
+            <a:ext cx="564148" cy="555812"/>
           </a:xfrm>
           <a:prstGeom prst="ellipse">
             <a:avLst/>
@@ -7158,7 +7229,7 @@
         </p:nvSpPr>
         <p:spPr>
           <a:xfrm>
-            <a:off x="10370726" y="4216466"/>
+            <a:off x="10322914" y="4216466"/>
             <a:ext cx="690973" cy="685734"/>
           </a:xfrm>
           <a:prstGeom prst="ellipse">
@@ -7192,6 +7263,50 @@
           <a:lstStyle/>
           <a:p>
             <a:pPr algn="ctr"/>
+            <a:endParaRPr lang="de-DE" dirty="0"/>
+          </a:p>
+        </p:txBody>
+      </p:sp>
+      <p:sp>
+        <p:nvSpPr>
+          <p:cNvPr id="3" name="Textfeld 2">
+            <a:extLst>
+              <a:ext uri="{FF2B5EF4-FFF2-40B4-BE49-F238E27FC236}">
+                <a16:creationId xmlns:a16="http://schemas.microsoft.com/office/drawing/2014/main" id="{3A08AB2C-06B5-2285-4A1F-1A33057BFEF9}"/>
+              </a:ext>
+            </a:extLst>
+          </p:cNvPr>
+          <p:cNvSpPr txBox="1"/>
+          <p:nvPr/>
+        </p:nvSpPr>
+        <p:spPr>
+          <a:xfrm>
+            <a:off x="493728" y="5840655"/>
+            <a:ext cx="4908533" cy="380402"/>
+          </a:xfrm>
+          <a:prstGeom prst="rect">
+            <a:avLst/>
+          </a:prstGeom>
+          <a:noFill/>
+        </p:spPr>
+        <p:txBody>
+          <a:bodyPr wrap="square" rtlCol="0">
+            <a:spAutoFit/>
+          </a:bodyPr>
+          <a:lstStyle/>
+          <a:p>
+            <a:r>
+              <a:rPr lang="de-DE" dirty="0" err="1"/>
+              <a:t>Esclusas</a:t>
+            </a:r>
+            <a:r>
+              <a:rPr lang="de-DE" dirty="0"/>
+              <a:t> de </a:t>
+            </a:r>
+            <a:r>
+              <a:rPr lang="de-DE" dirty="0" err="1"/>
+              <a:t>miraflores</a:t>
+            </a:r>
             <a:endParaRPr lang="de-DE" dirty="0"/>
           </a:p>
         </p:txBody>
@@ -7261,15 +7376,7 @@
             </a:r>
             <a:r>
               <a:rPr lang="de-DE" dirty="0"/>
-              <a:t> </a:t>
-            </a:r>
-            <a:r>
-              <a:rPr lang="de-DE" dirty="0" err="1"/>
-              <a:t>por</a:t>
-            </a:r>
-            <a:r>
-              <a:rPr lang="de-DE" dirty="0"/>
-              <a:t> los </a:t>
+              <a:t> de los </a:t>
             </a:r>
             <a:r>
               <a:rPr lang="de-DE" dirty="0" err="1"/>
@@ -7335,7 +7442,7 @@
                 <a:latin typeface="Calibri" panose="020F0502020204030204" pitchFamily="34" charset="0"/>
                 <a:cs typeface="Times New Roman" panose="02020603050405020304" pitchFamily="18" charset="0"/>
               </a:rPr>
-              <a:t>De 1881 a 1889:  Construcción por los franceses</a:t>
+              <a:t>De 1881 a 1889:  Construcción de los franceses</a:t>
             </a:r>
             <a:endParaRPr lang="de-DE" dirty="0"/>
           </a:p>
@@ -7520,6 +7627,45 @@
               <a:t>Ferdinand de Lesseps</a:t>
             </a:r>
             <a:endParaRPr lang="de-DE" dirty="0"/>
+          </a:p>
+        </p:txBody>
+      </p:sp>
+      <p:sp>
+        <p:nvSpPr>
+          <p:cNvPr id="3" name="Textfeld 2">
+            <a:extLst>
+              <a:ext uri="{FF2B5EF4-FFF2-40B4-BE49-F238E27FC236}">
+                <a16:creationId xmlns:a16="http://schemas.microsoft.com/office/drawing/2014/main" id="{9E0832BD-F42C-38B9-F3EE-D2A17F836FE7}"/>
+              </a:ext>
+            </a:extLst>
+          </p:cNvPr>
+          <p:cNvSpPr txBox="1"/>
+          <p:nvPr/>
+        </p:nvSpPr>
+        <p:spPr>
+          <a:xfrm>
+            <a:off x="792480" y="6076114"/>
+            <a:ext cx="3484880" cy="369332"/>
+          </a:xfrm>
+          <a:prstGeom prst="rect">
+            <a:avLst/>
+          </a:prstGeom>
+          <a:noFill/>
+        </p:spPr>
+        <p:txBody>
+          <a:bodyPr wrap="square" rtlCol="0">
+            <a:spAutoFit/>
+          </a:bodyPr>
+          <a:lstStyle/>
+          <a:p>
+            <a:r>
+              <a:rPr lang="de-DE" dirty="0" err="1"/>
+              <a:t>istmo</a:t>
+            </a:r>
+            <a:r>
+              <a:rPr lang="de-DE" dirty="0"/>
+              <a:t> : Landenge</a:t>
+            </a:r>
           </a:p>
         </p:txBody>
       </p:sp>
@@ -7588,15 +7734,7 @@
             </a:r>
             <a:r>
               <a:rPr lang="de-DE" dirty="0"/>
-              <a:t> </a:t>
-            </a:r>
-            <a:r>
-              <a:rPr lang="de-DE" dirty="0" err="1"/>
-              <a:t>por</a:t>
-            </a:r>
-            <a:r>
-              <a:rPr lang="de-DE" dirty="0"/>
-              <a:t> los </a:t>
+              <a:t> de los </a:t>
             </a:r>
             <a:r>
               <a:rPr lang="de-DE" dirty="0" err="1"/>
@@ -7653,7 +7791,7 @@
                 <a:latin typeface="Calibri" panose="020F0502020204030204" pitchFamily="34" charset="0"/>
                 <a:cs typeface="Times New Roman" panose="02020603050405020304" pitchFamily="18" charset="0"/>
               </a:rPr>
-              <a:t>Canal a nivel de mar no posible</a:t>
+              <a:t>Canal a nivel del mar no posible</a:t>
             </a:r>
           </a:p>
           <a:p>
@@ -7695,7 +7833,7 @@
         </p:blipFill>
         <p:spPr>
           <a:xfrm>
-            <a:off x="1103312" y="3744468"/>
+            <a:off x="646111" y="3703828"/>
             <a:ext cx="9404722" cy="2843120"/>
           </a:xfrm>
           <a:prstGeom prst="rect">
@@ -7706,6 +7844,45 @@
           </a:effectLst>
         </p:spPr>
       </p:pic>
+      <p:sp>
+        <p:nvSpPr>
+          <p:cNvPr id="3" name="Textfeld 2">
+            <a:extLst>
+              <a:ext uri="{FF2B5EF4-FFF2-40B4-BE49-F238E27FC236}">
+                <a16:creationId xmlns:a16="http://schemas.microsoft.com/office/drawing/2014/main" id="{A32D8506-B4EE-2701-1456-2D03A7537E65}"/>
+              </a:ext>
+            </a:extLst>
+          </p:cNvPr>
+          <p:cNvSpPr txBox="1"/>
+          <p:nvPr/>
+        </p:nvSpPr>
+        <p:spPr>
+          <a:xfrm>
+            <a:off x="3901440" y="6028342"/>
+            <a:ext cx="1859280" cy="369332"/>
+          </a:xfrm>
+          <a:prstGeom prst="rect">
+            <a:avLst/>
+          </a:prstGeom>
+          <a:noFill/>
+        </p:spPr>
+        <p:txBody>
+          <a:bodyPr wrap="square" rtlCol="0">
+            <a:spAutoFit/>
+          </a:bodyPr>
+          <a:lstStyle/>
+          <a:p>
+            <a:r>
+              <a:rPr lang="de-DE" dirty="0" err="1"/>
+              <a:t>cavar</a:t>
+            </a:r>
+            <a:r>
+              <a:rPr lang="de-DE" dirty="0"/>
+              <a:t> : graben</a:t>
+            </a:r>
+          </a:p>
+        </p:txBody>
+      </p:sp>
     </p:spTree>
     <p:extLst>
       <p:ext uri="{BB962C8B-B14F-4D97-AF65-F5344CB8AC3E}">
@@ -7759,7 +7936,7 @@
           <a:p>
             <a:r>
               <a:rPr lang="de-DE" dirty="0" err="1"/>
-              <a:t>Construcción</a:t>
+              <a:t>Finalización</a:t>
             </a:r>
             <a:r>
               <a:rPr lang="de-DE" dirty="0"/>
@@ -7771,7 +7948,15 @@
             </a:r>
             <a:r>
               <a:rPr lang="de-DE" dirty="0"/>
-              <a:t> los </a:t>
+              <a:t> </a:t>
+            </a:r>
+            <a:r>
+              <a:rPr lang="de-DE" dirty="0" err="1"/>
+              <a:t>parte</a:t>
+            </a:r>
+            <a:r>
+              <a:rPr lang="de-DE" dirty="0"/>
+              <a:t> de los </a:t>
             </a:r>
             <a:r>
               <a:rPr lang="de-DE" dirty="0" err="1"/>
@@ -7969,7 +8154,7 @@
           <a:p>
             <a:r>
               <a:rPr lang="de-DE" dirty="0" err="1"/>
-              <a:t>Construcción</a:t>
+              <a:t>Finalización</a:t>
             </a:r>
             <a:r>
               <a:rPr lang="de-DE" dirty="0"/>
@@ -7981,7 +8166,15 @@
             </a:r>
             <a:r>
               <a:rPr lang="de-DE" dirty="0"/>
-              <a:t> los </a:t>
+              <a:t> </a:t>
+            </a:r>
+            <a:r>
+              <a:rPr lang="de-DE" dirty="0" err="1"/>
+              <a:t>parte</a:t>
+            </a:r>
+            <a:r>
+              <a:rPr lang="de-DE" dirty="0"/>
+              <a:t> de los </a:t>
             </a:r>
             <a:r>
               <a:rPr lang="de-DE" dirty="0" err="1"/>
@@ -8063,7 +8256,7 @@
         </p:nvSpPr>
         <p:spPr>
           <a:xfrm>
-            <a:off x="6387363" y="5951162"/>
+            <a:off x="6476187" y="5818542"/>
             <a:ext cx="6858737" cy="400110"/>
           </a:xfrm>
           <a:prstGeom prst="rect">
@@ -8180,7 +8373,7 @@
         </p:nvSpPr>
         <p:spPr>
           <a:xfrm>
-            <a:off x="313203" y="5951162"/>
+            <a:off x="313203" y="5797925"/>
             <a:ext cx="5894669" cy="400110"/>
           </a:xfrm>
           <a:prstGeom prst="rect">
@@ -8201,49 +8394,46 @@
               </a:rPr>
               <a:t>Ferrocarril</a:t>
             </a:r>
-            <a:r>
-              <a:rPr lang="de-DE" sz="2000" dirty="0">
-                <a:latin typeface="Calibri" panose="020F0502020204030204" pitchFamily="34" charset="0"/>
-                <a:cs typeface="Times New Roman" panose="02020603050405020304" pitchFamily="18" charset="0"/>
-              </a:rPr>
-              <a:t> </a:t>
-            </a:r>
-            <a:r>
-              <a:rPr lang="de-DE" sz="2000" dirty="0" err="1">
-                <a:latin typeface="Calibri" panose="020F0502020204030204" pitchFamily="34" charset="0"/>
-                <a:cs typeface="Times New Roman" panose="02020603050405020304" pitchFamily="18" charset="0"/>
-              </a:rPr>
-              <a:t>para</a:t>
-            </a:r>
-            <a:r>
-              <a:rPr lang="de-DE" sz="2000" dirty="0">
-                <a:latin typeface="Calibri" panose="020F0502020204030204" pitchFamily="34" charset="0"/>
-                <a:cs typeface="Times New Roman" panose="02020603050405020304" pitchFamily="18" charset="0"/>
-              </a:rPr>
-              <a:t> </a:t>
-            </a:r>
-            <a:r>
-              <a:rPr lang="de-DE" sz="2000" dirty="0" err="1">
-                <a:latin typeface="Calibri" panose="020F0502020204030204" pitchFamily="34" charset="0"/>
-                <a:cs typeface="Times New Roman" panose="02020603050405020304" pitchFamily="18" charset="0"/>
-              </a:rPr>
-              <a:t>remover</a:t>
-            </a:r>
-            <a:r>
-              <a:rPr lang="de-DE" sz="2000" dirty="0">
-                <a:latin typeface="Calibri" panose="020F0502020204030204" pitchFamily="34" charset="0"/>
-                <a:cs typeface="Times New Roman" panose="02020603050405020304" pitchFamily="18" charset="0"/>
-              </a:rPr>
-              <a:t> la </a:t>
-            </a:r>
-            <a:r>
-              <a:rPr lang="de-DE" sz="2000" dirty="0" err="1">
-                <a:latin typeface="Calibri" panose="020F0502020204030204" pitchFamily="34" charset="0"/>
-                <a:cs typeface="Times New Roman" panose="02020603050405020304" pitchFamily="18" charset="0"/>
-              </a:rPr>
-              <a:t>tierra</a:t>
-            </a:r>
             <a:endParaRPr lang="de-DE" sz="2000" dirty="0"/>
+          </a:p>
+        </p:txBody>
+      </p:sp>
+      <p:sp>
+        <p:nvSpPr>
+          <p:cNvPr id="4" name="Textfeld 3">
+            <a:extLst>
+              <a:ext uri="{FF2B5EF4-FFF2-40B4-BE49-F238E27FC236}">
+                <a16:creationId xmlns:a16="http://schemas.microsoft.com/office/drawing/2014/main" id="{6790B56D-AC4E-DCF2-6D32-B2BEE3F2BC5B}"/>
+              </a:ext>
+            </a:extLst>
+          </p:cNvPr>
+          <p:cNvSpPr txBox="1"/>
+          <p:nvPr/>
+        </p:nvSpPr>
+        <p:spPr>
+          <a:xfrm>
+            <a:off x="4086498" y="6369124"/>
+            <a:ext cx="2523947" cy="369332"/>
+          </a:xfrm>
+          <a:prstGeom prst="rect">
+            <a:avLst/>
+          </a:prstGeom>
+          <a:noFill/>
+        </p:spPr>
+        <p:txBody>
+          <a:bodyPr wrap="square" rtlCol="0">
+            <a:spAutoFit/>
+          </a:bodyPr>
+          <a:lstStyle/>
+          <a:p>
+            <a:r>
+              <a:rPr lang="de-DE" dirty="0" err="1"/>
+              <a:t>fracasar</a:t>
+            </a:r>
+            <a:r>
+              <a:rPr lang="de-DE" dirty="0"/>
+              <a:t> : scheitern</a:t>
+            </a:r>
           </a:p>
         </p:txBody>
       </p:sp>
@@ -8300,7 +8490,7 @@
           <a:p>
             <a:r>
               <a:rPr lang="de-DE" dirty="0" err="1"/>
-              <a:t>Construcción</a:t>
+              <a:t>Finalización</a:t>
             </a:r>
             <a:r>
               <a:rPr lang="de-DE" dirty="0"/>
@@ -8312,7 +8502,15 @@
             </a:r>
             <a:r>
               <a:rPr lang="de-DE" dirty="0"/>
-              <a:t> los </a:t>
+              <a:t> </a:t>
+            </a:r>
+            <a:r>
+              <a:rPr lang="de-DE" dirty="0" err="1"/>
+              <a:t>parte</a:t>
+            </a:r>
+            <a:r>
+              <a:rPr lang="de-DE" dirty="0"/>
+              <a:t> de los </a:t>
             </a:r>
             <a:r>
               <a:rPr lang="de-DE" dirty="0" err="1"/>
@@ -8459,21 +8657,13 @@
           <a:lstStyle/>
           <a:p>
             <a:r>
-              <a:rPr lang="es-ES" dirty="0">
-                <a:latin typeface="Calibri" panose="020F0502020204030204" pitchFamily="34" charset="0"/>
-                <a:ea typeface="Calibri" panose="020F0502020204030204" pitchFamily="34" charset="0"/>
-                <a:cs typeface="Times New Roman" panose="02020603050405020304" pitchFamily="18" charset="0"/>
-              </a:rPr>
-              <a:t>I</a:t>
-            </a:r>
-            <a:r>
               <a:rPr lang="es-ES" sz="1800" dirty="0">
                 <a:effectLst/>
                 <a:latin typeface="Calibri" panose="020F0502020204030204" pitchFamily="34" charset="0"/>
                 <a:ea typeface="Calibri" panose="020F0502020204030204" pitchFamily="34" charset="0"/>
                 <a:cs typeface="Times New Roman" panose="02020603050405020304" pitchFamily="18" charset="0"/>
               </a:rPr>
-              <a:t>nauguración por el paso del barco SS Ancon en 1904</a:t>
+              <a:t>SS Ancon</a:t>
             </a:r>
             <a:endParaRPr lang="de-DE" dirty="0"/>
           </a:p>
@@ -8513,9 +8703,48 @@
                 <a:ea typeface="Calibri" panose="020F0502020204030204" pitchFamily="34" charset="0"/>
                 <a:cs typeface="Times New Roman" panose="02020603050405020304" pitchFamily="18" charset="0"/>
               </a:rPr>
-              <a:t> Grúa de ferrocarril</a:t>
+              <a:t> Grúa de ferrocarril y cimientos de las esclusas</a:t>
             </a:r>
             <a:endParaRPr lang="de-DE" dirty="0"/>
+          </a:p>
+        </p:txBody>
+      </p:sp>
+      <p:sp>
+        <p:nvSpPr>
+          <p:cNvPr id="3" name="Textfeld 2">
+            <a:extLst>
+              <a:ext uri="{FF2B5EF4-FFF2-40B4-BE49-F238E27FC236}">
+                <a16:creationId xmlns:a16="http://schemas.microsoft.com/office/drawing/2014/main" id="{564F37A0-DA2A-02B2-7D9A-528110A787AB}"/>
+              </a:ext>
+            </a:extLst>
+          </p:cNvPr>
+          <p:cNvSpPr txBox="1"/>
+          <p:nvPr/>
+        </p:nvSpPr>
+        <p:spPr>
+          <a:xfrm>
+            <a:off x="4709459" y="6220616"/>
+            <a:ext cx="3155576" cy="369332"/>
+          </a:xfrm>
+          <a:prstGeom prst="rect">
+            <a:avLst/>
+          </a:prstGeom>
+          <a:noFill/>
+        </p:spPr>
+        <p:txBody>
+          <a:bodyPr wrap="square" rtlCol="0">
+            <a:spAutoFit/>
+          </a:bodyPr>
+          <a:lstStyle/>
+          <a:p>
+            <a:r>
+              <a:rPr lang="de-DE" dirty="0" err="1"/>
+              <a:t>inaugurado</a:t>
+            </a:r>
+            <a:r>
+              <a:rPr lang="de-DE" dirty="0"/>
+              <a:t> : eröffnet</a:t>
+            </a:r>
           </a:p>
         </p:txBody>
       </p:sp>
